--- a/Test-Drive Java.pptx
+++ b/Test-Drive Java.pptx
@@ -15,6 +15,8 @@
     <p:sldId id="263" r:id="rId9"/>
     <p:sldId id="264" r:id="rId10"/>
     <p:sldId id="265" r:id="rId11"/>
+    <p:sldId id="266" r:id="rId12"/>
+    <p:sldId id="267" r:id="rId13"/>
   </p:sldIdLst>
   <p:sldSz cx="12192000" cy="6858000"/>
   <p:notesSz cx="6858000" cy="9144000"/>
@@ -113,6 +115,11 @@
       </a:defRPr>
     </a:lvl9pPr>
   </p:defaultTextStyle>
+  <p:extLst>
+    <p:ext uri="{EFAFB233-063F-42B5-8137-9DF3F51BA10A}">
+      <p15:sldGuideLst xmlns:p15="http://schemas.microsoft.com/office/powerpoint/2012/main"/>
+    </p:ext>
+  </p:extLst>
 </p:presentation>
 </file>
 
@@ -838,7 +845,7 @@
           <a:p>
             <a:fld id="{073ED0CC-082F-4160-86E5-0D6041F12778}" type="datetime1">
               <a:rPr lang="en-US" smtClean="0"/>
-              <a:t>9/14/2019</a:t>
+              <a:t>9/15/2019</a:t>
             </a:fld>
             <a:endParaRPr lang="en-US" dirty="0"/>
           </a:p>
@@ -1090,7 +1097,7 @@
           <a:p>
             <a:fld id="{073ED0CC-082F-4160-86E5-0D6041F12778}" type="datetime1">
               <a:rPr lang="en-US" smtClean="0"/>
-              <a:t>9/14/2019</a:t>
+              <a:t>9/15/2019</a:t>
             </a:fld>
             <a:endParaRPr lang="en-US" dirty="0"/>
           </a:p>
@@ -1405,7 +1412,7 @@
           <a:p>
             <a:fld id="{073ED0CC-082F-4160-86E5-0D6041F12778}" type="datetime1">
               <a:rPr lang="en-US" smtClean="0"/>
-              <a:t>9/14/2019</a:t>
+              <a:t>9/15/2019</a:t>
             </a:fld>
             <a:endParaRPr lang="en-US" dirty="0"/>
           </a:p>
@@ -1747,7 +1754,7 @@
           <a:p>
             <a:fld id="{073ED0CC-082F-4160-86E5-0D6041F12778}" type="datetime1">
               <a:rPr lang="en-US" smtClean="0"/>
-              <a:t>9/14/2019</a:t>
+              <a:t>9/15/2019</a:t>
             </a:fld>
             <a:endParaRPr lang="en-US" dirty="0"/>
           </a:p>
@@ -2062,7 +2069,7 @@
           <a:p>
             <a:fld id="{073ED0CC-082F-4160-86E5-0D6041F12778}" type="datetime1">
               <a:rPr lang="en-US" smtClean="0"/>
-              <a:t>9/14/2019</a:t>
+              <a:t>9/15/2019</a:t>
             </a:fld>
             <a:endParaRPr lang="en-US" dirty="0"/>
           </a:p>
@@ -2456,7 +2463,7 @@
           <a:p>
             <a:fld id="{073ED0CC-082F-4160-86E5-0D6041F12778}" type="datetime1">
               <a:rPr lang="en-US" smtClean="0"/>
-              <a:t>9/14/2019</a:t>
+              <a:t>9/15/2019</a:t>
             </a:fld>
             <a:endParaRPr lang="en-US" dirty="0"/>
           </a:p>
@@ -2627,7 +2634,7 @@
           <a:p>
             <a:fld id="{073ED0CC-082F-4160-86E5-0D6041F12778}" type="datetime1">
               <a:rPr lang="en-US" smtClean="0"/>
-              <a:t>9/14/2019</a:t>
+              <a:t>9/15/2019</a:t>
             </a:fld>
             <a:endParaRPr lang="en-US" dirty="0"/>
           </a:p>
@@ -2808,7 +2815,7 @@
           <a:p>
             <a:fld id="{073ED0CC-082F-4160-86E5-0D6041F12778}" type="datetime1">
               <a:rPr lang="en-US" smtClean="0"/>
-              <a:t>9/14/2019</a:t>
+              <a:t>9/15/2019</a:t>
             </a:fld>
             <a:endParaRPr lang="en-US" dirty="0"/>
           </a:p>
@@ -2985,7 +2992,7 @@
           <a:p>
             <a:fld id="{073ED0CC-082F-4160-86E5-0D6041F12778}" type="datetime1">
               <a:rPr lang="en-US" smtClean="0"/>
-              <a:t>9/14/2019</a:t>
+              <a:t>9/15/2019</a:t>
             </a:fld>
             <a:endParaRPr lang="en-US" dirty="0"/>
           </a:p>
@@ -3233,7 +3240,7 @@
           <a:p>
             <a:fld id="{073ED0CC-082F-4160-86E5-0D6041F12778}" type="datetime1">
               <a:rPr lang="en-US" smtClean="0"/>
-              <a:t>9/14/2019</a:t>
+              <a:t>9/15/2019</a:t>
             </a:fld>
             <a:endParaRPr lang="en-US" dirty="0"/>
           </a:p>
@@ -3466,7 +3473,7 @@
           <a:p>
             <a:fld id="{073ED0CC-082F-4160-86E5-0D6041F12778}" type="datetime1">
               <a:rPr lang="en-US" smtClean="0"/>
-              <a:t>9/14/2019</a:t>
+              <a:t>9/15/2019</a:t>
             </a:fld>
             <a:endParaRPr lang="en-US" dirty="0"/>
           </a:p>
@@ -3841,7 +3848,7 @@
           <a:p>
             <a:fld id="{073ED0CC-082F-4160-86E5-0D6041F12778}" type="datetime1">
               <a:rPr lang="en-US" smtClean="0"/>
-              <a:t>9/14/2019</a:t>
+              <a:t>9/15/2019</a:t>
             </a:fld>
             <a:endParaRPr lang="en-US" dirty="0"/>
           </a:p>
@@ -3965,7 +3972,7 @@
           <a:p>
             <a:fld id="{073ED0CC-082F-4160-86E5-0D6041F12778}" type="datetime1">
               <a:rPr lang="en-US" smtClean="0"/>
-              <a:t>9/14/2019</a:t>
+              <a:t>9/15/2019</a:t>
             </a:fld>
             <a:endParaRPr lang="en-US" dirty="0"/>
           </a:p>
@@ -4061,7 +4068,7 @@
           <a:p>
             <a:fld id="{073ED0CC-082F-4160-86E5-0D6041F12778}" type="datetime1">
               <a:rPr lang="en-US" smtClean="0"/>
-              <a:t>9/14/2019</a:t>
+              <a:t>9/15/2019</a:t>
             </a:fld>
             <a:endParaRPr lang="en-US" dirty="0"/>
           </a:p>
@@ -4317,7 +4324,7 @@
           <a:p>
             <a:fld id="{073ED0CC-082F-4160-86E5-0D6041F12778}" type="datetime1">
               <a:rPr lang="en-US" smtClean="0"/>
-              <a:t>9/14/2019</a:t>
+              <a:t>9/15/2019</a:t>
             </a:fld>
             <a:endParaRPr lang="en-US" dirty="0"/>
           </a:p>
@@ -4581,7 +4588,7 @@
           <a:p>
             <a:fld id="{073ED0CC-082F-4160-86E5-0D6041F12778}" type="datetime1">
               <a:rPr lang="en-US" smtClean="0"/>
-              <a:t>9/14/2019</a:t>
+              <a:t>9/15/2019</a:t>
             </a:fld>
             <a:endParaRPr lang="en-US" dirty="0"/>
           </a:p>
@@ -5325,7 +5332,7 @@
           <a:p>
             <a:fld id="{073ED0CC-082F-4160-86E5-0D6041F12778}" type="datetime1">
               <a:rPr lang="en-US" smtClean="0"/>
-              <a:t>9/14/2019</a:t>
+              <a:t>9/15/2019</a:t>
             </a:fld>
             <a:endParaRPr lang="en-US" dirty="0"/>
           </a:p>
@@ -6028,7 +6035,10 @@
           <a:bodyPr/>
           <a:lstStyle/>
           <a:p>
-            <a:endParaRPr lang="zh-CN" altLang="en-US"/>
+            <a:r>
+              <a:rPr lang="zh-CN" altLang="en-US" dirty="0"/>
+              <a:t>设计原则</a:t>
+            </a:r>
           </a:p>
         </p:txBody>
       </p:sp>
@@ -6048,12 +6058,184 @@
             <p:ph idx="1"/>
           </p:nvPr>
         </p:nvSpPr>
-        <p:spPr/>
-        <p:txBody>
-          <a:bodyPr/>
-          <a:lstStyle/>
-          <a:p>
-            <a:endParaRPr lang="zh-CN" altLang="en-US"/>
+        <p:spPr>
+          <a:xfrm>
+            <a:off x="677332" y="1498863"/>
+            <a:ext cx="11351270" cy="5033912"/>
+          </a:xfrm>
+        </p:spPr>
+        <p:txBody>
+          <a:bodyPr>
+            <a:normAutofit/>
+          </a:bodyPr>
+          <a:lstStyle/>
+          <a:p>
+            <a:r>
+              <a:rPr lang="en-US" altLang="zh-CN" dirty="0"/>
+              <a:t>YAGNI(You</a:t>
+            </a:r>
+            <a:r>
+              <a:rPr lang="zh-CN" altLang="en-US" dirty="0"/>
+              <a:t> </a:t>
+            </a:r>
+            <a:r>
+              <a:rPr lang="en-US" altLang="zh-CN" dirty="0"/>
+              <a:t>Aren’t</a:t>
+            </a:r>
+            <a:r>
+              <a:rPr lang="zh-CN" altLang="en-US" dirty="0"/>
+              <a:t> </a:t>
+            </a:r>
+            <a:r>
+              <a:rPr lang="en-US" altLang="zh-CN" dirty="0" err="1"/>
+              <a:t>Gonna</a:t>
+            </a:r>
+            <a:r>
+              <a:rPr lang="zh-CN" altLang="en-US" dirty="0"/>
+              <a:t> </a:t>
+            </a:r>
+            <a:r>
+              <a:rPr lang="en-US" altLang="zh-CN" dirty="0"/>
+              <a:t>Need</a:t>
+            </a:r>
+            <a:r>
+              <a:rPr lang="zh-CN" altLang="en-US" dirty="0"/>
+              <a:t> </a:t>
+            </a:r>
+            <a:r>
+              <a:rPr lang="en-US" altLang="zh-CN" dirty="0"/>
+              <a:t>It)	</a:t>
+            </a:r>
+            <a:r>
+              <a:rPr lang="zh-CN" altLang="en-US" dirty="0"/>
+              <a:t>消除所有冗余代码</a:t>
+            </a:r>
+            <a:endParaRPr lang="en-US" altLang="zh-CN" dirty="0"/>
+          </a:p>
+          <a:p>
+            <a:r>
+              <a:rPr lang="en-US" altLang="zh-CN" dirty="0"/>
+              <a:t>DRY(Don’t Repeat Yourself)			</a:t>
+            </a:r>
+            <a:r>
+              <a:rPr lang="zh-CN" altLang="en-US" dirty="0"/>
+              <a:t>重用而不是复制以前写的代码</a:t>
+            </a:r>
+            <a:endParaRPr lang="en-US" altLang="zh-CN" dirty="0"/>
+          </a:p>
+          <a:p>
+            <a:r>
+              <a:rPr lang="en-US" altLang="zh-CN" dirty="0"/>
+              <a:t>KISS(keep it simple stupid)			</a:t>
+            </a:r>
+            <a:r>
+              <a:rPr lang="zh-CN" altLang="en-US" dirty="0"/>
+              <a:t>保持简单</a:t>
+            </a:r>
+            <a:endParaRPr lang="en-US" altLang="zh-CN" dirty="0"/>
+          </a:p>
+          <a:p>
+            <a:r>
+              <a:rPr lang="en-US" altLang="zh-CN" dirty="0"/>
+              <a:t>Ockham‘s Razor					</a:t>
+            </a:r>
+            <a:r>
+              <a:rPr lang="zh-CN" altLang="en-US" dirty="0"/>
+              <a:t>奥卡姆剃刀原理</a:t>
+            </a:r>
+            <a:r>
+              <a:rPr lang="en-US" altLang="zh-CN" dirty="0"/>
+              <a:t>(</a:t>
+            </a:r>
+            <a:r>
+              <a:rPr lang="zh-CN" altLang="en-US" dirty="0"/>
+              <a:t>如果你有两个或多个类似的解决方案，选择最简单的</a:t>
+            </a:r>
+            <a:r>
+              <a:rPr lang="en-US" altLang="zh-CN" dirty="0"/>
+              <a:t>)</a:t>
+            </a:r>
+          </a:p>
+          <a:p>
+            <a:r>
+              <a:rPr lang="en-US" altLang="zh-CN" dirty="0"/>
+              <a:t>SOLID							</a:t>
+            </a:r>
+            <a:r>
+              <a:rPr lang="zh-CN" altLang="en-US" dirty="0"/>
+              <a:t>单一职责原则：一个类应该只有一个导致它需要修改的原因</a:t>
+            </a:r>
+            <a:endParaRPr lang="en-US" altLang="zh-CN" dirty="0"/>
+          </a:p>
+          <a:p>
+            <a:pPr marL="914400" lvl="2" indent="0">
+              <a:buNone/>
+            </a:pPr>
+            <a:r>
+              <a:rPr lang="en-US" altLang="zh-CN" dirty="0"/>
+              <a:t>							</a:t>
+            </a:r>
+            <a:r>
+              <a:rPr lang="zh-CN" altLang="en-US" sz="1800" dirty="0"/>
+              <a:t>开</a:t>
+            </a:r>
+            <a:r>
+              <a:rPr lang="en-US" altLang="zh-CN" sz="1800" dirty="0"/>
+              <a:t>-</a:t>
+            </a:r>
+            <a:r>
+              <a:rPr lang="zh-CN" altLang="en-US" sz="1800" dirty="0"/>
+              <a:t>闭原则：类应该对扩展是开放的，对修改是封闭的</a:t>
+            </a:r>
+            <a:endParaRPr lang="en-US" altLang="zh-CN" sz="1800" dirty="0"/>
+          </a:p>
+          <a:p>
+            <a:pPr marL="914400" lvl="2" indent="0">
+              <a:buNone/>
+            </a:pPr>
+            <a:r>
+              <a:rPr lang="en-US" altLang="zh-CN" sz="1800" dirty="0"/>
+              <a:t>							</a:t>
+            </a:r>
+            <a:r>
+              <a:rPr lang="zh-CN" altLang="en-US" sz="1800" dirty="0"/>
+              <a:t>里氏替换原则：类应该能够被它的扩展类替换</a:t>
+            </a:r>
+            <a:endParaRPr lang="en-US" altLang="zh-CN" sz="1800" dirty="0"/>
+          </a:p>
+          <a:p>
+            <a:pPr marL="914400" lvl="2" indent="0">
+              <a:buNone/>
+            </a:pPr>
+            <a:r>
+              <a:rPr lang="en-US" altLang="zh-CN" sz="1800" dirty="0"/>
+              <a:t>							</a:t>
+            </a:r>
+            <a:r>
+              <a:rPr lang="zh-CN" altLang="en-US" sz="1800" dirty="0"/>
+              <a:t>接口分离原则：提供多个具体接口胜过提供单一通用接口</a:t>
+            </a:r>
+            <a:endParaRPr lang="en-US" altLang="zh-CN" sz="1800" dirty="0"/>
+          </a:p>
+          <a:p>
+            <a:pPr marL="914400" lvl="2" indent="0">
+              <a:buNone/>
+            </a:pPr>
+            <a:r>
+              <a:rPr lang="en-US" altLang="zh-CN" sz="1800" dirty="0"/>
+              <a:t>							</a:t>
+            </a:r>
+            <a:r>
+              <a:rPr lang="zh-CN" altLang="en-US" sz="1800" dirty="0"/>
+              <a:t>依赖倒转原则：依赖应专注于做什么而不是如何做</a:t>
+            </a:r>
+            <a:endParaRPr lang="en-US" altLang="zh-CN" sz="1800" dirty="0"/>
+          </a:p>
+          <a:p>
+            <a:pPr marL="914400" lvl="2" indent="0">
+              <a:buNone/>
+            </a:pPr>
+            <a:endParaRPr lang="en-US" altLang="zh-CN" sz="1800" dirty="0"/>
           </a:p>
         </p:txBody>
       </p:sp>
@@ -6061,6 +6243,290 @@
     <p:extLst>
       <p:ext uri="{BB962C8B-B14F-4D97-AF65-F5344CB8AC3E}">
         <p14:creationId xmlns:p14="http://schemas.microsoft.com/office/powerpoint/2010/main" val="2274700165"/>
+      </p:ext>
+    </p:extLst>
+  </p:cSld>
+  <p:clrMapOvr>
+    <a:masterClrMapping/>
+  </p:clrMapOvr>
+</p:sld>
+</file>
+
+<file path=ppt/slides/slide11.xml><?xml version="1.0" encoding="utf-8"?>
+<p:sld xmlns:a="http://schemas.openxmlformats.org/drawingml/2006/main" xmlns:r="http://schemas.openxmlformats.org/officeDocument/2006/relationships" xmlns:p="http://schemas.openxmlformats.org/presentationml/2006/main">
+  <p:cSld>
+    <p:spTree>
+      <p:nvGrpSpPr>
+        <p:cNvPr id="1" name=""/>
+        <p:cNvGrpSpPr/>
+        <p:nvPr/>
+      </p:nvGrpSpPr>
+      <p:grpSpPr>
+        <a:xfrm>
+          <a:off x="0" y="0"/>
+          <a:ext cx="0" cy="0"/>
+          <a:chOff x="0" y="0"/>
+          <a:chExt cx="0" cy="0"/>
+        </a:xfrm>
+      </p:grpSpPr>
+      <p:sp>
+        <p:nvSpPr>
+          <p:cNvPr id="2" name="标题 1">
+            <a:extLst>
+              <a:ext uri="{FF2B5EF4-FFF2-40B4-BE49-F238E27FC236}">
+                <a16:creationId xmlns:a16="http://schemas.microsoft.com/office/drawing/2014/main" id="{E72CC57D-C4CB-4365-8ECF-70F1447AC77F}"/>
+              </a:ext>
+            </a:extLst>
+          </p:cNvPr>
+          <p:cNvSpPr>
+            <a:spLocks noGrp="1"/>
+          </p:cNvSpPr>
+          <p:nvPr>
+            <p:ph type="title"/>
+          </p:nvPr>
+        </p:nvSpPr>
+        <p:spPr/>
+        <p:txBody>
+          <a:bodyPr/>
+          <a:lstStyle/>
+          <a:p>
+            <a:r>
+              <a:rPr lang="zh-CN" altLang="en-US" dirty="0"/>
+              <a:t>模拟</a:t>
+            </a:r>
+          </a:p>
+        </p:txBody>
+      </p:sp>
+      <p:sp>
+        <p:nvSpPr>
+          <p:cNvPr id="3" name="内容占位符 2">
+            <a:extLst>
+              <a:ext uri="{FF2B5EF4-FFF2-40B4-BE49-F238E27FC236}">
+                <a16:creationId xmlns:a16="http://schemas.microsoft.com/office/drawing/2014/main" id="{860B73ED-B892-4E13-9D5B-FAF63CAB0EC5}"/>
+              </a:ext>
+            </a:extLst>
+          </p:cNvPr>
+          <p:cNvSpPr>
+            <a:spLocks noGrp="1"/>
+          </p:cNvSpPr>
+          <p:nvPr>
+            <p:ph idx="1"/>
+          </p:nvPr>
+        </p:nvSpPr>
+        <p:spPr/>
+        <p:txBody>
+          <a:bodyPr/>
+          <a:lstStyle/>
+          <a:p>
+            <a:r>
+              <a:rPr lang="zh-CN" altLang="en-US" dirty="0"/>
+              <a:t>哑元对象</a:t>
+            </a:r>
+            <a:r>
+              <a:rPr lang="en-US" altLang="zh-CN" dirty="0"/>
+              <a:t>(dummy object)		</a:t>
+            </a:r>
+            <a:r>
+              <a:rPr lang="zh-CN" altLang="en-US" dirty="0"/>
+              <a:t>用于替换真正的方法参数</a:t>
+            </a:r>
+            <a:endParaRPr lang="en-US" altLang="zh-CN" dirty="0"/>
+          </a:p>
+          <a:p>
+            <a:r>
+              <a:rPr lang="zh-CN" altLang="en-US" dirty="0"/>
+              <a:t>测试存根</a:t>
+            </a:r>
+            <a:r>
+              <a:rPr lang="en-US" altLang="zh-CN" dirty="0"/>
+              <a:t>(test stub)			</a:t>
+            </a:r>
+            <a:r>
+              <a:rPr lang="zh-CN" altLang="en-US" dirty="0"/>
+              <a:t>将实际对象替换为测试特定对象</a:t>
+            </a:r>
+            <a:endParaRPr lang="en-US" altLang="zh-CN" dirty="0"/>
+          </a:p>
+          <a:p>
+            <a:r>
+              <a:rPr lang="zh-CN" altLang="en-US" dirty="0"/>
+              <a:t>测试间谍</a:t>
+            </a:r>
+            <a:r>
+              <a:rPr lang="en-US" altLang="zh-CN" dirty="0"/>
+              <a:t>(test spy)				</a:t>
+            </a:r>
+            <a:r>
+              <a:rPr lang="zh-CN" altLang="en-US" dirty="0"/>
+              <a:t>记录</a:t>
+            </a:r>
+            <a:r>
+              <a:rPr lang="en-US" altLang="zh-CN" dirty="0"/>
+              <a:t>SUT</a:t>
+            </a:r>
+            <a:r>
+              <a:rPr lang="zh-CN" altLang="en-US" dirty="0"/>
+              <a:t>向另一个组件发出的间接输出调用</a:t>
+            </a:r>
+            <a:endParaRPr lang="en-US" altLang="zh-CN" dirty="0"/>
+          </a:p>
+          <a:p>
+            <a:r>
+              <a:rPr lang="zh-CN" altLang="en-US" dirty="0"/>
+              <a:t>模拟对象</a:t>
+            </a:r>
+            <a:r>
+              <a:rPr lang="en-US" altLang="zh-CN" dirty="0"/>
+              <a:t>(mock object)			</a:t>
+            </a:r>
+            <a:r>
+              <a:rPr lang="zh-CN" altLang="en-US" dirty="0"/>
+              <a:t>将</a:t>
+            </a:r>
+            <a:r>
+              <a:rPr lang="en-US" altLang="zh-CN" dirty="0"/>
+              <a:t>SUT</a:t>
+            </a:r>
+            <a:r>
+              <a:rPr lang="zh-CN" altLang="en-US" dirty="0"/>
+              <a:t>依赖的对象替换为测试特定对象</a:t>
+            </a:r>
+            <a:endParaRPr lang="en-US" altLang="zh-CN" dirty="0"/>
+          </a:p>
+          <a:p>
+            <a:r>
+              <a:rPr lang="zh-CN" altLang="en-US" dirty="0"/>
+              <a:t>伪造对象</a:t>
+            </a:r>
+            <a:r>
+              <a:rPr lang="en-US" altLang="zh-CN" dirty="0"/>
+              <a:t>(FAKE object)			</a:t>
+            </a:r>
+            <a:r>
+              <a:rPr lang="zh-CN" altLang="en-US" dirty="0"/>
+              <a:t>将</a:t>
+            </a:r>
+            <a:r>
+              <a:rPr lang="en-US" altLang="zh-CN" dirty="0"/>
+              <a:t>SUT</a:t>
+            </a:r>
+            <a:r>
+              <a:rPr lang="zh-CN" altLang="en-US" dirty="0"/>
+              <a:t>依赖的组件替换为量级更轻的实现</a:t>
+            </a:r>
+          </a:p>
+        </p:txBody>
+      </p:sp>
+    </p:spTree>
+    <p:extLst>
+      <p:ext uri="{BB962C8B-B14F-4D97-AF65-F5344CB8AC3E}">
+        <p14:creationId xmlns:p14="http://schemas.microsoft.com/office/powerpoint/2010/main" val="2503298059"/>
+      </p:ext>
+    </p:extLst>
+  </p:cSld>
+  <p:clrMapOvr>
+    <a:masterClrMapping/>
+  </p:clrMapOvr>
+</p:sld>
+</file>
+
+<file path=ppt/slides/slide12.xml><?xml version="1.0" encoding="utf-8"?>
+<p:sld xmlns:a="http://schemas.openxmlformats.org/drawingml/2006/main" xmlns:r="http://schemas.openxmlformats.org/officeDocument/2006/relationships" xmlns:p="http://schemas.openxmlformats.org/presentationml/2006/main">
+  <p:cSld>
+    <p:spTree>
+      <p:nvGrpSpPr>
+        <p:cNvPr id="1" name=""/>
+        <p:cNvGrpSpPr/>
+        <p:nvPr/>
+      </p:nvGrpSpPr>
+      <p:grpSpPr>
+        <a:xfrm>
+          <a:off x="0" y="0"/>
+          <a:ext cx="0" cy="0"/>
+          <a:chOff x="0" y="0"/>
+          <a:chExt cx="0" cy="0"/>
+        </a:xfrm>
+      </p:grpSpPr>
+      <p:sp>
+        <p:nvSpPr>
+          <p:cNvPr id="2" name="标题 1">
+            <a:extLst>
+              <a:ext uri="{FF2B5EF4-FFF2-40B4-BE49-F238E27FC236}">
+                <a16:creationId xmlns:a16="http://schemas.microsoft.com/office/drawing/2014/main" id="{CB4DB4A7-7AC6-4A94-87FC-ACBB6EA5B5EE}"/>
+              </a:ext>
+            </a:extLst>
+          </p:cNvPr>
+          <p:cNvSpPr>
+            <a:spLocks noGrp="1"/>
+          </p:cNvSpPr>
+          <p:nvPr>
+            <p:ph type="title"/>
+          </p:nvPr>
+        </p:nvSpPr>
+        <p:spPr/>
+        <p:txBody>
+          <a:bodyPr/>
+          <a:lstStyle/>
+          <a:p>
+            <a:r>
+              <a:rPr lang="en-US" altLang="zh-CN" dirty="0"/>
+              <a:t>BDD</a:t>
+            </a:r>
+            <a:endParaRPr lang="zh-CN" altLang="en-US" dirty="0"/>
+          </a:p>
+        </p:txBody>
+      </p:sp>
+      <p:sp>
+        <p:nvSpPr>
+          <p:cNvPr id="3" name="内容占位符 2">
+            <a:extLst>
+              <a:ext uri="{FF2B5EF4-FFF2-40B4-BE49-F238E27FC236}">
+                <a16:creationId xmlns:a16="http://schemas.microsoft.com/office/drawing/2014/main" id="{506CB8A6-E84E-48B9-970B-0D1A338DC838}"/>
+              </a:ext>
+            </a:extLst>
+          </p:cNvPr>
+          <p:cNvSpPr>
+            <a:spLocks noGrp="1"/>
+          </p:cNvSpPr>
+          <p:nvPr>
+            <p:ph idx="1"/>
+          </p:nvPr>
+        </p:nvSpPr>
+        <p:spPr/>
+        <p:txBody>
+          <a:bodyPr/>
+          <a:lstStyle/>
+          <a:p>
+            <a:r>
+              <a:rPr lang="en-US" altLang="zh-CN" dirty="0"/>
+              <a:t>Scenario…</a:t>
+            </a:r>
+          </a:p>
+          <a:p>
+            <a:r>
+              <a:rPr lang="en-US" altLang="zh-CN" dirty="0"/>
+              <a:t>Given…</a:t>
+            </a:r>
+          </a:p>
+          <a:p>
+            <a:r>
+              <a:rPr lang="en-US" altLang="zh-CN" dirty="0"/>
+              <a:t>When…</a:t>
+            </a:r>
+          </a:p>
+          <a:p>
+            <a:r>
+              <a:rPr lang="en-US" altLang="zh-CN" dirty="0"/>
+              <a:t>Then…</a:t>
+            </a:r>
+            <a:endParaRPr lang="zh-CN" altLang="en-US" dirty="0"/>
+          </a:p>
+        </p:txBody>
+      </p:sp>
+    </p:spTree>
+    <p:extLst>
+      <p:ext uri="{BB962C8B-B14F-4D97-AF65-F5344CB8AC3E}">
+        <p14:creationId xmlns:p14="http://schemas.microsoft.com/office/powerpoint/2010/main" val="3859824774"/>
       </p:ext>
     </p:extLst>
   </p:cSld>
@@ -6890,6 +7356,11 @@
               <a:rPr lang="zh-CN" altLang="en-US" dirty="0"/>
               <a:t>单元测试</a:t>
             </a:r>
+            <a:r>
+              <a:rPr lang="en-US" altLang="zh-CN" dirty="0"/>
+              <a:t>-TDD</a:t>
+            </a:r>
+            <a:endParaRPr lang="zh-CN" altLang="en-US" dirty="0"/>
           </a:p>
         </p:txBody>
       </p:sp>
@@ -6976,16 +7447,12 @@
               <a:buNone/>
             </a:pPr>
             <a:r>
-              <a:rPr lang="en-US" altLang="zh-CN"/>
+              <a:rPr lang="en-US" altLang="zh-CN" dirty="0"/>
               <a:t>	</a:t>
             </a:r>
             <a:r>
-              <a:rPr lang="zh-CN" altLang="en-US"/>
-              <a:t>而</a:t>
-            </a:r>
-            <a:r>
               <a:rPr lang="zh-CN" altLang="en-US" dirty="0"/>
-              <a:t>验证只是副产品</a:t>
+              <a:t>而验证只是副产品</a:t>
             </a:r>
           </a:p>
         </p:txBody>

--- a/Test-Drive Java.pptx
+++ b/Test-Drive Java.pptx
@@ -17,6 +17,7 @@
     <p:sldId id="265" r:id="rId11"/>
     <p:sldId id="266" r:id="rId12"/>
     <p:sldId id="267" r:id="rId13"/>
+    <p:sldId id="268" r:id="rId14"/>
   </p:sldIdLst>
   <p:sldSz cx="12192000" cy="6858000"/>
   <p:notesSz cx="6858000" cy="9144000"/>
@@ -845,7 +846,7 @@
           <a:p>
             <a:fld id="{073ED0CC-082F-4160-86E5-0D6041F12778}" type="datetime1">
               <a:rPr lang="en-US" smtClean="0"/>
-              <a:t>9/15/2019</a:t>
+              <a:t>9/29/2019</a:t>
             </a:fld>
             <a:endParaRPr lang="en-US" dirty="0"/>
           </a:p>
@@ -1097,7 +1098,7 @@
           <a:p>
             <a:fld id="{073ED0CC-082F-4160-86E5-0D6041F12778}" type="datetime1">
               <a:rPr lang="en-US" smtClean="0"/>
-              <a:t>9/15/2019</a:t>
+              <a:t>9/29/2019</a:t>
             </a:fld>
             <a:endParaRPr lang="en-US" dirty="0"/>
           </a:p>
@@ -1412,7 +1413,7 @@
           <a:p>
             <a:fld id="{073ED0CC-082F-4160-86E5-0D6041F12778}" type="datetime1">
               <a:rPr lang="en-US" smtClean="0"/>
-              <a:t>9/15/2019</a:t>
+              <a:t>9/29/2019</a:t>
             </a:fld>
             <a:endParaRPr lang="en-US" dirty="0"/>
           </a:p>
@@ -1754,7 +1755,7 @@
           <a:p>
             <a:fld id="{073ED0CC-082F-4160-86E5-0D6041F12778}" type="datetime1">
               <a:rPr lang="en-US" smtClean="0"/>
-              <a:t>9/15/2019</a:t>
+              <a:t>9/29/2019</a:t>
             </a:fld>
             <a:endParaRPr lang="en-US" dirty="0"/>
           </a:p>
@@ -2069,7 +2070,7 @@
           <a:p>
             <a:fld id="{073ED0CC-082F-4160-86E5-0D6041F12778}" type="datetime1">
               <a:rPr lang="en-US" smtClean="0"/>
-              <a:t>9/15/2019</a:t>
+              <a:t>9/29/2019</a:t>
             </a:fld>
             <a:endParaRPr lang="en-US" dirty="0"/>
           </a:p>
@@ -2463,7 +2464,7 @@
           <a:p>
             <a:fld id="{073ED0CC-082F-4160-86E5-0D6041F12778}" type="datetime1">
               <a:rPr lang="en-US" smtClean="0"/>
-              <a:t>9/15/2019</a:t>
+              <a:t>9/29/2019</a:t>
             </a:fld>
             <a:endParaRPr lang="en-US" dirty="0"/>
           </a:p>
@@ -2634,7 +2635,7 @@
           <a:p>
             <a:fld id="{073ED0CC-082F-4160-86E5-0D6041F12778}" type="datetime1">
               <a:rPr lang="en-US" smtClean="0"/>
-              <a:t>9/15/2019</a:t>
+              <a:t>9/29/2019</a:t>
             </a:fld>
             <a:endParaRPr lang="en-US" dirty="0"/>
           </a:p>
@@ -2815,7 +2816,7 @@
           <a:p>
             <a:fld id="{073ED0CC-082F-4160-86E5-0D6041F12778}" type="datetime1">
               <a:rPr lang="en-US" smtClean="0"/>
-              <a:t>9/15/2019</a:t>
+              <a:t>9/29/2019</a:t>
             </a:fld>
             <a:endParaRPr lang="en-US" dirty="0"/>
           </a:p>
@@ -2992,7 +2993,7 @@
           <a:p>
             <a:fld id="{073ED0CC-082F-4160-86E5-0D6041F12778}" type="datetime1">
               <a:rPr lang="en-US" smtClean="0"/>
-              <a:t>9/15/2019</a:t>
+              <a:t>9/29/2019</a:t>
             </a:fld>
             <a:endParaRPr lang="en-US" dirty="0"/>
           </a:p>
@@ -3240,7 +3241,7 @@
           <a:p>
             <a:fld id="{073ED0CC-082F-4160-86E5-0D6041F12778}" type="datetime1">
               <a:rPr lang="en-US" smtClean="0"/>
-              <a:t>9/15/2019</a:t>
+              <a:t>9/29/2019</a:t>
             </a:fld>
             <a:endParaRPr lang="en-US" dirty="0"/>
           </a:p>
@@ -3473,7 +3474,7 @@
           <a:p>
             <a:fld id="{073ED0CC-082F-4160-86E5-0D6041F12778}" type="datetime1">
               <a:rPr lang="en-US" smtClean="0"/>
-              <a:t>9/15/2019</a:t>
+              <a:t>9/29/2019</a:t>
             </a:fld>
             <a:endParaRPr lang="en-US" dirty="0"/>
           </a:p>
@@ -3848,7 +3849,7 @@
           <a:p>
             <a:fld id="{073ED0CC-082F-4160-86E5-0D6041F12778}" type="datetime1">
               <a:rPr lang="en-US" smtClean="0"/>
-              <a:t>9/15/2019</a:t>
+              <a:t>9/29/2019</a:t>
             </a:fld>
             <a:endParaRPr lang="en-US" dirty="0"/>
           </a:p>
@@ -3972,7 +3973,7 @@
           <a:p>
             <a:fld id="{073ED0CC-082F-4160-86E5-0D6041F12778}" type="datetime1">
               <a:rPr lang="en-US" smtClean="0"/>
-              <a:t>9/15/2019</a:t>
+              <a:t>9/29/2019</a:t>
             </a:fld>
             <a:endParaRPr lang="en-US" dirty="0"/>
           </a:p>
@@ -4068,7 +4069,7 @@
           <a:p>
             <a:fld id="{073ED0CC-082F-4160-86E5-0D6041F12778}" type="datetime1">
               <a:rPr lang="en-US" smtClean="0"/>
-              <a:t>9/15/2019</a:t>
+              <a:t>9/29/2019</a:t>
             </a:fld>
             <a:endParaRPr lang="en-US" dirty="0"/>
           </a:p>
@@ -4324,7 +4325,7 @@
           <a:p>
             <a:fld id="{073ED0CC-082F-4160-86E5-0D6041F12778}" type="datetime1">
               <a:rPr lang="en-US" smtClean="0"/>
-              <a:t>9/15/2019</a:t>
+              <a:t>9/29/2019</a:t>
             </a:fld>
             <a:endParaRPr lang="en-US" dirty="0"/>
           </a:p>
@@ -4588,7 +4589,7 @@
           <a:p>
             <a:fld id="{073ED0CC-082F-4160-86E5-0D6041F12778}" type="datetime1">
               <a:rPr lang="en-US" smtClean="0"/>
-              <a:t>9/15/2019</a:t>
+              <a:t>9/29/2019</a:t>
             </a:fld>
             <a:endParaRPr lang="en-US" dirty="0"/>
           </a:p>
@@ -5332,7 +5333,7 @@
           <a:p>
             <a:fld id="{073ED0CC-082F-4160-86E5-0D6041F12778}" type="datetime1">
               <a:rPr lang="en-US" smtClean="0"/>
-              <a:t>9/15/2019</a:t>
+              <a:t>9/29/2019</a:t>
             </a:fld>
             <a:endParaRPr lang="en-US" dirty="0"/>
           </a:p>
@@ -6536,6 +6537,123 @@
 </p:sld>
 </file>
 
+<file path=ppt/slides/slide13.xml><?xml version="1.0" encoding="utf-8"?>
+<p:sld xmlns:a="http://schemas.openxmlformats.org/drawingml/2006/main" xmlns:r="http://schemas.openxmlformats.org/officeDocument/2006/relationships" xmlns:p="http://schemas.openxmlformats.org/presentationml/2006/main">
+  <p:cSld>
+    <p:spTree>
+      <p:nvGrpSpPr>
+        <p:cNvPr id="1" name=""/>
+        <p:cNvGrpSpPr/>
+        <p:nvPr/>
+      </p:nvGrpSpPr>
+      <p:grpSpPr>
+        <a:xfrm>
+          <a:off x="0" y="0"/>
+          <a:ext cx="0" cy="0"/>
+          <a:chOff x="0" y="0"/>
+          <a:chExt cx="0" cy="0"/>
+        </a:xfrm>
+      </p:grpSpPr>
+      <p:sp>
+        <p:nvSpPr>
+          <p:cNvPr id="2" name="标题 1">
+            <a:extLst>
+              <a:ext uri="{FF2B5EF4-FFF2-40B4-BE49-F238E27FC236}">
+                <a16:creationId xmlns:a16="http://schemas.microsoft.com/office/drawing/2014/main" id="{95BA6399-68F4-463F-B826-B81EAFF792E5}"/>
+              </a:ext>
+            </a:extLst>
+          </p:cNvPr>
+          <p:cNvSpPr>
+            <a:spLocks noGrp="1"/>
+          </p:cNvSpPr>
+          <p:nvPr>
+            <p:ph type="title"/>
+          </p:nvPr>
+        </p:nvSpPr>
+        <p:spPr/>
+        <p:txBody>
+          <a:bodyPr/>
+          <a:lstStyle/>
+          <a:p>
+            <a:endParaRPr lang="zh-CN" altLang="en-US"/>
+          </a:p>
+        </p:txBody>
+      </p:sp>
+      <p:sp>
+        <p:nvSpPr>
+          <p:cNvPr id="3" name="内容占位符 2">
+            <a:extLst>
+              <a:ext uri="{FF2B5EF4-FFF2-40B4-BE49-F238E27FC236}">
+                <a16:creationId xmlns:a16="http://schemas.microsoft.com/office/drawing/2014/main" id="{DF012CA9-38E9-4186-B244-E84366B32460}"/>
+              </a:ext>
+            </a:extLst>
+          </p:cNvPr>
+          <p:cNvSpPr>
+            <a:spLocks noGrp="1"/>
+          </p:cNvSpPr>
+          <p:nvPr>
+            <p:ph idx="1"/>
+          </p:nvPr>
+        </p:nvSpPr>
+        <p:spPr/>
+        <p:txBody>
+          <a:bodyPr/>
+          <a:lstStyle/>
+          <a:p>
+            <a:r>
+              <a:rPr lang="en-US" altLang="zh-CN" dirty="0"/>
+              <a:t># Comment </a:t>
+            </a:r>
+          </a:p>
+          <a:p>
+            <a:r>
+              <a:rPr lang="en-US" altLang="zh-CN" dirty="0"/>
+              <a:t>@tag Feature: Eating too many cucumbers may not be good for you </a:t>
+            </a:r>
+          </a:p>
+          <a:p>
+            <a:pPr marL="0" indent="0">
+              <a:buNone/>
+            </a:pPr>
+            <a:r>
+              <a:rPr lang="en-US" altLang="zh-CN" dirty="0"/>
+              <a:t>	Eating too much of anything may not be good for you. </a:t>
+            </a:r>
+          </a:p>
+          <a:p>
+            <a:r>
+              <a:rPr lang="en-US" altLang="zh-CN" dirty="0"/>
+              <a:t>Scenario: Eating a few is no problem Given Alice is hungry </a:t>
+            </a:r>
+          </a:p>
+          <a:p>
+            <a:r>
+              <a:rPr lang="en-US" altLang="zh-CN" dirty="0"/>
+              <a:t>When she eats 3 cucumbers </a:t>
+            </a:r>
+          </a:p>
+          <a:p>
+            <a:r>
+              <a:rPr lang="en-US" altLang="zh-CN" dirty="0"/>
+              <a:t>Then she will be full</a:t>
+            </a:r>
+            <a:endParaRPr lang="zh-CN" altLang="en-US" dirty="0"/>
+          </a:p>
+        </p:txBody>
+      </p:sp>
+    </p:spTree>
+    <p:extLst>
+      <p:ext uri="{BB962C8B-B14F-4D97-AF65-F5344CB8AC3E}">
+        <p14:creationId xmlns:p14="http://schemas.microsoft.com/office/powerpoint/2010/main" val="3307740239"/>
+      </p:ext>
+    </p:extLst>
+  </p:cSld>
+  <p:clrMapOvr>
+    <a:masterClrMapping/>
+  </p:clrMapOvr>
+</p:sld>
+</file>
+
 <file path=ppt/slides/slide2.xml><?xml version="1.0" encoding="utf-8"?>
 <p:sld xmlns:a="http://schemas.openxmlformats.org/drawingml/2006/main" xmlns:r="http://schemas.openxmlformats.org/officeDocument/2006/relationships" xmlns:p="http://schemas.openxmlformats.org/presentationml/2006/main">
   <p:cSld>
